--- a/OmerMazorWebsite/powerpoint.pptx
+++ b/OmerMazorWebsite/powerpoint.pptx
@@ -104,6 +104,11 @@
       </a:defRPr>
     </a:lvl9pPr>
   </p:defaultTextStyle>
+  <p:extLst>
+    <p:ext uri="{EFAFB233-063F-42B5-8137-9DF3F51BA10A}">
+      <p15:sldGuideLst xmlns:p15="http://schemas.microsoft.com/office/powerpoint/2012/main"/>
+    </p:ext>
+  </p:extLst>
 </p:presentation>
 </file>
 
@@ -3432,6 +3437,329 @@
           </a:p>
         </p:txBody>
       </p:sp>
+      <p:sp>
+        <p:nvSpPr>
+          <p:cNvPr id="6" name="מלבן: פינות מעוגלות 5">
+            <a:extLst>
+              <a:ext uri="{FF2B5EF4-FFF2-40B4-BE49-F238E27FC236}">
+                <a16:creationId xmlns:a16="http://schemas.microsoft.com/office/drawing/2014/main" id="{EC59D609-E7E5-B773-14E2-74FF6F7A608E}"/>
+              </a:ext>
+            </a:extLst>
+          </p:cNvPr>
+          <p:cNvSpPr/>
+          <p:nvPr/>
+        </p:nvSpPr>
+        <p:spPr>
+          <a:xfrm>
+            <a:off x="4556760" y="1088136"/>
+            <a:ext cx="1737360" cy="704088"/>
+          </a:xfrm>
+          <a:prstGeom prst="roundRect">
+            <a:avLst/>
+          </a:prstGeom>
+        </p:spPr>
+        <p:style>
+          <a:lnRef idx="2">
+            <a:schemeClr val="accent1">
+              <a:shade val="15000"/>
+            </a:schemeClr>
+          </a:lnRef>
+          <a:fillRef idx="1">
+            <a:schemeClr val="accent1"/>
+          </a:fillRef>
+          <a:effectRef idx="0">
+            <a:schemeClr val="accent1"/>
+          </a:effectRef>
+          <a:fontRef idx="minor">
+            <a:schemeClr val="lt1"/>
+          </a:fontRef>
+        </p:style>
+        <p:txBody>
+          <a:bodyPr rtlCol="1" anchor="ctr"/>
+          <a:lstStyle/>
+          <a:p>
+            <a:pPr algn="ctr"/>
+            <a:r>
+              <a:rPr lang="en-US" dirty="0">
+                <a:solidFill>
+                  <a:schemeClr val="bg1"/>
+                </a:solidFill>
+              </a:rPr>
+              <a:t>FISH</a:t>
+            </a:r>
+          </a:p>
+        </p:txBody>
+      </p:sp>
+      <p:sp>
+        <p:nvSpPr>
+          <p:cNvPr id="7" name="מלבן: פינות מעוגלות 6">
+            <a:extLst>
+              <a:ext uri="{FF2B5EF4-FFF2-40B4-BE49-F238E27FC236}">
+                <a16:creationId xmlns:a16="http://schemas.microsoft.com/office/drawing/2014/main" id="{77FC8B4E-383C-C0DB-A54F-E34B34205B8B}"/>
+              </a:ext>
+            </a:extLst>
+          </p:cNvPr>
+          <p:cNvSpPr/>
+          <p:nvPr/>
+        </p:nvSpPr>
+        <p:spPr>
+          <a:xfrm>
+            <a:off x="6364224" y="1088136"/>
+            <a:ext cx="1737360" cy="704088"/>
+          </a:xfrm>
+          <a:prstGeom prst="roundRect">
+            <a:avLst/>
+          </a:prstGeom>
+        </p:spPr>
+        <p:style>
+          <a:lnRef idx="2">
+            <a:schemeClr val="accent1">
+              <a:shade val="15000"/>
+            </a:schemeClr>
+          </a:lnRef>
+          <a:fillRef idx="1">
+            <a:schemeClr val="accent1"/>
+          </a:fillRef>
+          <a:effectRef idx="0">
+            <a:schemeClr val="accent1"/>
+          </a:effectRef>
+          <a:fontRef idx="minor">
+            <a:schemeClr val="lt1"/>
+          </a:fontRef>
+        </p:style>
+        <p:txBody>
+          <a:bodyPr rtlCol="1" anchor="ctr"/>
+          <a:lstStyle/>
+          <a:p>
+            <a:pPr algn="ctr"/>
+            <a:r>
+              <a:rPr lang="en-US" dirty="0">
+                <a:solidFill>
+                  <a:schemeClr val="bg1"/>
+                </a:solidFill>
+              </a:rPr>
+              <a:t>STEAK</a:t>
+            </a:r>
+          </a:p>
+        </p:txBody>
+      </p:sp>
+      <p:sp>
+        <p:nvSpPr>
+          <p:cNvPr id="9" name="מלבן: פינות מעוגלות 8">
+            <a:extLst>
+              <a:ext uri="{FF2B5EF4-FFF2-40B4-BE49-F238E27FC236}">
+                <a16:creationId xmlns:a16="http://schemas.microsoft.com/office/drawing/2014/main" id="{4D27F1A5-D023-34B9-15AC-14352DFE11B3}"/>
+              </a:ext>
+            </a:extLst>
+          </p:cNvPr>
+          <p:cNvSpPr/>
+          <p:nvPr/>
+        </p:nvSpPr>
+        <p:spPr>
+          <a:xfrm>
+            <a:off x="2749296" y="1905000"/>
+            <a:ext cx="1737360" cy="704088"/>
+          </a:xfrm>
+          <a:prstGeom prst="roundRect">
+            <a:avLst/>
+          </a:prstGeom>
+        </p:spPr>
+        <p:style>
+          <a:lnRef idx="2">
+            <a:schemeClr val="accent1">
+              <a:shade val="15000"/>
+            </a:schemeClr>
+          </a:lnRef>
+          <a:fillRef idx="1">
+            <a:schemeClr val="accent1"/>
+          </a:fillRef>
+          <a:effectRef idx="0">
+            <a:schemeClr val="accent1"/>
+          </a:effectRef>
+          <a:fontRef idx="minor">
+            <a:schemeClr val="lt1"/>
+          </a:fontRef>
+        </p:style>
+        <p:txBody>
+          <a:bodyPr rtlCol="1" anchor="ctr"/>
+          <a:lstStyle/>
+          <a:p>
+            <a:pPr algn="ctr"/>
+            <a:r>
+              <a:rPr lang="en-US" dirty="0">
+                <a:solidFill>
+                  <a:schemeClr val="bg1"/>
+                </a:solidFill>
+              </a:rPr>
+              <a:t>Log In</a:t>
+            </a:r>
+            <a:endParaRPr lang="he-IL" dirty="0">
+              <a:solidFill>
+                <a:schemeClr val="bg1"/>
+              </a:solidFill>
+            </a:endParaRPr>
+          </a:p>
+        </p:txBody>
+      </p:sp>
+      <p:sp>
+        <p:nvSpPr>
+          <p:cNvPr id="10" name="מלבן: פינות מעוגלות 9">
+            <a:extLst>
+              <a:ext uri="{FF2B5EF4-FFF2-40B4-BE49-F238E27FC236}">
+                <a16:creationId xmlns:a16="http://schemas.microsoft.com/office/drawing/2014/main" id="{11951FFB-165F-61FA-00FC-EAA6D29B69A2}"/>
+              </a:ext>
+            </a:extLst>
+          </p:cNvPr>
+          <p:cNvSpPr/>
+          <p:nvPr/>
+        </p:nvSpPr>
+        <p:spPr>
+          <a:xfrm>
+            <a:off x="4556760" y="1905000"/>
+            <a:ext cx="1737360" cy="704088"/>
+          </a:xfrm>
+          <a:prstGeom prst="roundRect">
+            <a:avLst/>
+          </a:prstGeom>
+        </p:spPr>
+        <p:style>
+          <a:lnRef idx="2">
+            <a:schemeClr val="accent1">
+              <a:shade val="15000"/>
+            </a:schemeClr>
+          </a:lnRef>
+          <a:fillRef idx="1">
+            <a:schemeClr val="accent1"/>
+          </a:fillRef>
+          <a:effectRef idx="0">
+            <a:schemeClr val="accent1"/>
+          </a:effectRef>
+          <a:fontRef idx="minor">
+            <a:schemeClr val="lt1"/>
+          </a:fontRef>
+        </p:style>
+        <p:txBody>
+          <a:bodyPr rtlCol="1" anchor="ctr"/>
+          <a:lstStyle/>
+          <a:p>
+            <a:pPr algn="ctr"/>
+            <a:r>
+              <a:rPr lang="en-US" dirty="0">
+                <a:solidFill>
+                  <a:schemeClr val="bg1"/>
+                </a:solidFill>
+              </a:rPr>
+              <a:t>Order</a:t>
+            </a:r>
+          </a:p>
+        </p:txBody>
+      </p:sp>
+      <p:sp>
+        <p:nvSpPr>
+          <p:cNvPr id="11" name="מלבן: פינות מעוגלות 10">
+            <a:extLst>
+              <a:ext uri="{FF2B5EF4-FFF2-40B4-BE49-F238E27FC236}">
+                <a16:creationId xmlns:a16="http://schemas.microsoft.com/office/drawing/2014/main" id="{716822A9-7826-0ACF-AAA9-895F4464AAA4}"/>
+              </a:ext>
+            </a:extLst>
+          </p:cNvPr>
+          <p:cNvSpPr/>
+          <p:nvPr/>
+        </p:nvSpPr>
+        <p:spPr>
+          <a:xfrm>
+            <a:off x="6364224" y="1905000"/>
+            <a:ext cx="1737360" cy="704088"/>
+          </a:xfrm>
+          <a:prstGeom prst="roundRect">
+            <a:avLst/>
+          </a:prstGeom>
+        </p:spPr>
+        <p:style>
+          <a:lnRef idx="2">
+            <a:schemeClr val="accent1">
+              <a:shade val="15000"/>
+            </a:schemeClr>
+          </a:lnRef>
+          <a:fillRef idx="1">
+            <a:schemeClr val="accent1"/>
+          </a:fillRef>
+          <a:effectRef idx="0">
+            <a:schemeClr val="accent1"/>
+          </a:effectRef>
+          <a:fontRef idx="minor">
+            <a:schemeClr val="lt1"/>
+          </a:fontRef>
+        </p:style>
+        <p:txBody>
+          <a:bodyPr rtlCol="1" anchor="ctr"/>
+          <a:lstStyle/>
+          <a:p>
+            <a:pPr algn="ctr"/>
+            <a:r>
+              <a:rPr lang="en-US" dirty="0">
+                <a:solidFill>
+                  <a:schemeClr val="bg1"/>
+                </a:solidFill>
+              </a:rPr>
+              <a:t>Home</a:t>
+            </a:r>
+          </a:p>
+        </p:txBody>
+      </p:sp>
+      <p:sp>
+        <p:nvSpPr>
+          <p:cNvPr id="12" name="מלבן: פינות מעוגלות 11">
+            <a:extLst>
+              <a:ext uri="{FF2B5EF4-FFF2-40B4-BE49-F238E27FC236}">
+                <a16:creationId xmlns:a16="http://schemas.microsoft.com/office/drawing/2014/main" id="{A63654E7-09D6-D549-92DD-A5AA04381EA9}"/>
+              </a:ext>
+            </a:extLst>
+          </p:cNvPr>
+          <p:cNvSpPr/>
+          <p:nvPr/>
+        </p:nvSpPr>
+        <p:spPr>
+          <a:xfrm>
+            <a:off x="941832" y="1905000"/>
+            <a:ext cx="1737360" cy="704088"/>
+          </a:xfrm>
+          <a:prstGeom prst="roundRect">
+            <a:avLst/>
+          </a:prstGeom>
+        </p:spPr>
+        <p:style>
+          <a:lnRef idx="2">
+            <a:schemeClr val="accent1">
+              <a:shade val="15000"/>
+            </a:schemeClr>
+          </a:lnRef>
+          <a:fillRef idx="1">
+            <a:schemeClr val="accent1"/>
+          </a:fillRef>
+          <a:effectRef idx="0">
+            <a:schemeClr val="accent1"/>
+          </a:effectRef>
+          <a:fontRef idx="minor">
+            <a:schemeClr val="lt1"/>
+          </a:fontRef>
+        </p:style>
+        <p:txBody>
+          <a:bodyPr rtlCol="1" anchor="ctr"/>
+          <a:lstStyle/>
+          <a:p>
+            <a:pPr algn="ctr"/>
+            <a:r>
+              <a:rPr lang="en-US">
+                <a:solidFill>
+                  <a:schemeClr val="bg1"/>
+                </a:solidFill>
+              </a:rPr>
+              <a:t>Log Out</a:t>
+            </a:r>
+          </a:p>
+        </p:txBody>
+      </p:sp>
     </p:spTree>
     <p:extLst>
       <p:ext uri="{BB962C8B-B14F-4D97-AF65-F5344CB8AC3E}">
